--- a/Documentation/Hoosier National Forest Dark Sky Designation.pptx
+++ b/Documentation/Hoosier National Forest Dark Sky Designation.pptx
@@ -8347,7 +8347,12 @@
             <p:ph idx="1"/>
           </p:nvPr>
         </p:nvSpPr>
-        <p:spPr/>
+        <p:spPr>
+          <a:xfrm>
+            <a:off x="2589212" y="1722120"/>
+            <a:ext cx="8915400" cy="3777622"/>
+          </a:xfrm>
+        </p:spPr>
         <p:txBody>
           <a:bodyPr>
             <a:normAutofit/>
@@ -8484,37 +8489,49 @@
         </p:nvSpPr>
         <p:spPr>
           <a:xfrm>
-            <a:off x="7064971" y="5115697"/>
+            <a:off x="7064971" y="2829697"/>
             <a:ext cx="5127029" cy="1429397"/>
           </a:xfrm>
         </p:spPr>
         <p:txBody>
           <a:bodyPr>
-            <a:normAutofit fontScale="92500" lnSpcReduction="10000"/>
+            <a:noAutofit/>
           </a:bodyPr>
           <a:lstStyle/>
           <a:p>
-            <a:pPr marL="0" indent="0" algn="just">
+            <a:pPr marL="0" indent="0">
               <a:buNone/>
             </a:pPr>
             <a:r>
-              <a:rPr lang="en-US" sz="2000" dirty="0"/>
-              <a:t>The infographic above illustrates the different components of light pollution and what “good” lighting looks like. (Image by </a:t>
-            </a:r>
-            <a:r>
-              <a:rPr lang="en-US" sz="2000" dirty="0" err="1"/>
+              <a:rPr lang="en-US" sz="2400" dirty="0"/>
+              <a:t>The </a:t>
+            </a:r>
+            <a:r>
+              <a:rPr lang="en-US" sz="2400" dirty="0" smtClean="0"/>
+              <a:t>image </a:t>
+            </a:r>
+            <a:r>
+              <a:rPr lang="en-US" sz="2400" dirty="0" smtClean="0"/>
+              <a:t>illustrates </a:t>
+            </a:r>
+            <a:r>
+              <a:rPr lang="en-US" sz="2400" dirty="0"/>
+              <a:t>the different components of light pollution and what “good” lighting looks like. (Image by </a:t>
+            </a:r>
+            <a:r>
+              <a:rPr lang="en-US" sz="2400" dirty="0" err="1"/>
               <a:t>Anezka</a:t>
             </a:r>
             <a:r>
-              <a:rPr lang="en-US" sz="2000" dirty="0"/>
+              <a:rPr lang="en-US" sz="2400" dirty="0"/>
               <a:t> </a:t>
             </a:r>
             <a:r>
-              <a:rPr lang="en-US" sz="2000" dirty="0" err="1"/>
+              <a:rPr lang="en-US" sz="2400" dirty="0" err="1"/>
               <a:t>Gocova</a:t>
             </a:r>
             <a:r>
-              <a:rPr lang="en-US" sz="2000" dirty="0"/>
+              <a:rPr lang="en-US" sz="2400" dirty="0"/>
               <a:t>, in “The Night Issue”, Alternatives Journal 39:5 (2013). </a:t>
             </a:r>
           </a:p>
@@ -8846,12 +8863,8 @@
           <a:lstStyle/>
           <a:p>
             <a:r>
-              <a:rPr lang="en-US" sz="2400" dirty="0" err="1" smtClean="0"/>
-              <a:t>Python,Django</a:t>
-            </a:r>
-            <a:r>
               <a:rPr lang="en-US" sz="2400" dirty="0" smtClean="0"/>
-              <a:t> </a:t>
+              <a:t>Python, Django </a:t>
             </a:r>
             <a:r>
               <a:rPr lang="en-US" sz="2400" dirty="0" smtClean="0"/>
@@ -8879,7 +8892,7 @@
             </a:r>
             <a:r>
               <a:rPr lang="en-US" sz="2400" dirty="0" smtClean="0"/>
-              <a:t>MySQL</a:t>
+              <a:t>PostgreSQL</a:t>
             </a:r>
             <a:r>
               <a:rPr lang="en-US" sz="2400" dirty="0" smtClean="0"/>
@@ -9022,7 +9035,15 @@
             </a:r>
             <a:r>
               <a:rPr lang="en-IN" sz="2400" dirty="0" smtClean="0"/>
-              <a:t> :  Comments and feedback feature</a:t>
+              <a:t> :  Graphs and </a:t>
+            </a:r>
+            <a:r>
+              <a:rPr lang="en-IN" sz="2400" dirty="0" err="1" smtClean="0"/>
+              <a:t>favorite</a:t>
+            </a:r>
+            <a:r>
+              <a:rPr lang="en-IN" sz="2400" dirty="0" smtClean="0"/>
+              <a:t> sensors features</a:t>
             </a:r>
           </a:p>
           <a:p>
@@ -9035,7 +9056,7 @@
             </a:r>
             <a:r>
               <a:rPr lang="en-IN" sz="2400" dirty="0" smtClean="0"/>
-              <a:t> :  Additional features like storing data to csv files</a:t>
+              <a:t> :  Comments and feedback feature</a:t>
             </a:r>
             <a:endParaRPr lang="en-IN" sz="2400" dirty="0"/>
           </a:p>
@@ -9469,7 +9490,7 @@
           <a:p>
             <a:r>
               <a:rPr lang="en-IN" sz="2400" dirty="0" smtClean="0"/>
-              <a:t>Migrating from web application to mobile application</a:t>
+              <a:t>Migrating from web application to mobile application.</a:t>
             </a:r>
           </a:p>
           <a:p>

--- a/Documentation/Hoosier National Forest Dark Sky Designation.pptx
+++ b/Documentation/Hoosier National Forest Dark Sky Designation.pptx
@@ -124,6 +124,10 @@
 </p:presentation>
 </file>
 
+<file path=ppt/revisionInfo.xml><?xml version="1.0" encoding="utf-8"?>
+<p1510:revInfo xmlns:a="http://schemas.openxmlformats.org/drawingml/2006/main" xmlns:r="http://schemas.openxmlformats.org/officeDocument/2006/relationships" xmlns:p1510="http://schemas.microsoft.com/office/powerpoint/2015/10/main"/>
+</file>
+
 <file path=ppt/notesMasters/notesMaster1.xml><?xml version="1.0" encoding="utf-8"?>
 <p:notesMaster xmlns:a="http://schemas.openxmlformats.org/drawingml/2006/main" xmlns:r="http://schemas.openxmlformats.org/officeDocument/2006/relationships" xmlns:p="http://schemas.openxmlformats.org/presentationml/2006/main">
   <p:cSld>
@@ -206,7 +210,7 @@
           <a:p>
             <a:fld id="{322AA42B-D028-9C49-91BB-BAC605DC2E7C}" type="datetimeFigureOut">
               <a:rPr lang="en-US" smtClean="0"/>
-              <a:t>9/20/2017</a:t>
+              <a:t>9/21/2017</a:t>
             </a:fld>
             <a:endParaRPr lang="en-US"/>
           </a:p>
@@ -270,38 +274,37 @@
           <a:p>
             <a:pPr lvl="0"/>
             <a:r>
-              <a:rPr lang="en-US" smtClean="0"/>
+              <a:rPr lang="en-US"/>
               <a:t>Click to edit Master text styles</a:t>
             </a:r>
           </a:p>
           <a:p>
             <a:pPr lvl="1"/>
             <a:r>
-              <a:rPr lang="en-US" smtClean="0"/>
+              <a:rPr lang="en-US"/>
               <a:t>Second level</a:t>
             </a:r>
           </a:p>
           <a:p>
             <a:pPr lvl="2"/>
             <a:r>
-              <a:rPr lang="en-US" smtClean="0"/>
+              <a:rPr lang="en-US"/>
               <a:t>Third level</a:t>
             </a:r>
           </a:p>
           <a:p>
             <a:pPr lvl="3"/>
             <a:r>
-              <a:rPr lang="en-US" smtClean="0"/>
+              <a:rPr lang="en-US"/>
               <a:t>Fourth level</a:t>
             </a:r>
           </a:p>
           <a:p>
             <a:pPr lvl="4"/>
             <a:r>
-              <a:rPr lang="en-US" smtClean="0"/>
+              <a:rPr lang="en-US"/>
               <a:t>Fifth level</a:t>
             </a:r>
-            <a:endParaRPr lang="en-US"/>
           </a:p>
         </p:txBody>
       </p:sp>
@@ -519,11 +522,11 @@
           <a:lstStyle/>
           <a:p>
             <a:r>
-              <a:rPr lang="en-US" dirty="0" smtClean="0"/>
+              <a:rPr lang="en-US" dirty="0"/>
               <a:t>This</a:t>
             </a:r>
             <a:r>
-              <a:rPr lang="en-US" baseline="0" dirty="0" smtClean="0"/>
+              <a:rPr lang="en-US" baseline="0" dirty="0"/>
               <a:t> problems adversely affect our environment, safety , energy consumption and health. </a:t>
             </a:r>
             <a:endParaRPr lang="en-US" dirty="0"/>
@@ -610,7 +613,7 @@
           </a:lstStyle>
           <a:p>
             <a:r>
-              <a:rPr lang="en-US" smtClean="0"/>
+              <a:rPr lang="en-US"/>
               <a:t>Click to edit Master title style</a:t>
             </a:r>
             <a:endParaRPr lang="en-US" dirty="0"/>
@@ -730,7 +733,7 @@
           </a:lstStyle>
           <a:p>
             <a:r>
-              <a:rPr lang="en-US" smtClean="0"/>
+              <a:rPr lang="en-US"/>
               <a:t>Click to edit Master subtitle style</a:t>
             </a:r>
             <a:endParaRPr lang="en-US" dirty="0"/>
@@ -754,7 +757,7 @@
           <a:p>
             <a:fld id="{A4CB353D-2EC3-AF43-8B94-49A50DEE4487}" type="datetimeFigureOut">
               <a:rPr lang="en-US" smtClean="0"/>
-              <a:t>9/20/2017</a:t>
+              <a:t>9/21/2017</a:t>
             </a:fld>
             <a:endParaRPr lang="en-US"/>
           </a:p>
@@ -946,7 +949,7 @@
           </a:lstStyle>
           <a:p>
             <a:r>
-              <a:rPr lang="en-US" smtClean="0"/>
+              <a:rPr lang="en-US"/>
               <a:t>Click to edit Master title style</a:t>
             </a:r>
             <a:endParaRPr lang="en-US" dirty="0"/>
@@ -1069,7 +1072,7 @@
           <a:p>
             <a:pPr lvl="0"/>
             <a:r>
-              <a:rPr lang="en-US" smtClean="0"/>
+              <a:rPr lang="en-US"/>
               <a:t>Click to edit Master text styles</a:t>
             </a:r>
           </a:p>
@@ -1092,7 +1095,7 @@
           <a:p>
             <a:fld id="{A4CB353D-2EC3-AF43-8B94-49A50DEE4487}" type="datetimeFigureOut">
               <a:rPr lang="en-US" smtClean="0"/>
-              <a:t>9/20/2017</a:t>
+              <a:t>9/21/2017</a:t>
             </a:fld>
             <a:endParaRPr lang="en-US"/>
           </a:p>
@@ -1284,7 +1287,7 @@
           </a:lstStyle>
           <a:p>
             <a:r>
-              <a:rPr lang="en-US" smtClean="0"/>
+              <a:rPr lang="en-US"/>
               <a:t>Click to edit Master title style</a:t>
             </a:r>
             <a:endParaRPr lang="en-US" dirty="0"/>
@@ -1348,7 +1351,7 @@
           <a:p>
             <a:pPr lvl="0"/>
             <a:r>
-              <a:rPr lang="en-US" smtClean="0"/>
+              <a:rPr lang="en-US"/>
               <a:t>Click to edit Master text styles</a:t>
             </a:r>
           </a:p>
@@ -1470,7 +1473,7 @@
           <a:p>
             <a:pPr lvl="0"/>
             <a:r>
-              <a:rPr lang="en-US" smtClean="0"/>
+              <a:rPr lang="en-US"/>
               <a:t>Click to edit Master text styles</a:t>
             </a:r>
           </a:p>
@@ -1493,7 +1496,7 @@
           <a:p>
             <a:fld id="{A4CB353D-2EC3-AF43-8B94-49A50DEE4487}" type="datetimeFigureOut">
               <a:rPr lang="en-US" smtClean="0"/>
-              <a:t>9/20/2017</a:t>
+              <a:t>9/21/2017</a:t>
             </a:fld>
             <a:endParaRPr lang="en-US"/>
           </a:p>
@@ -1761,7 +1764,7 @@
           </a:lstStyle>
           <a:p>
             <a:r>
-              <a:rPr lang="en-US" smtClean="0"/>
+              <a:rPr lang="en-US"/>
               <a:t>Click to edit Master title style</a:t>
             </a:r>
             <a:endParaRPr lang="en-US" dirty="0"/>
@@ -1806,7 +1809,7 @@
               <a:buNone/>
             </a:pPr>
             <a:r>
-              <a:rPr lang="en-US" smtClean="0"/>
+              <a:rPr lang="en-US"/>
               <a:t>Click to edit Master text styles</a:t>
             </a:r>
           </a:p>
@@ -1829,7 +1832,7 @@
           <a:p>
             <a:fld id="{A4CB353D-2EC3-AF43-8B94-49A50DEE4487}" type="datetimeFigureOut">
               <a:rPr lang="en-US" smtClean="0"/>
-              <a:t>9/20/2017</a:t>
+              <a:t>9/21/2017</a:t>
             </a:fld>
             <a:endParaRPr lang="en-US"/>
           </a:p>
@@ -2021,7 +2024,7 @@
           </a:lstStyle>
           <a:p>
             <a:r>
-              <a:rPr lang="en-US" smtClean="0"/>
+              <a:rPr lang="en-US"/>
               <a:t>Click to edit Master title style</a:t>
             </a:r>
             <a:endParaRPr lang="en-US" dirty="0"/>
@@ -2082,7 +2085,7 @@
           <a:p>
             <a:pPr lvl="0"/>
             <a:r>
-              <a:rPr lang="en-US" smtClean="0"/>
+              <a:rPr lang="en-US"/>
               <a:t>Click to edit Master text styles</a:t>
             </a:r>
           </a:p>
@@ -2126,7 +2129,7 @@
               <a:buNone/>
             </a:pPr>
             <a:r>
-              <a:rPr lang="en-US" smtClean="0"/>
+              <a:rPr lang="en-US"/>
               <a:t>Click to edit Master text styles</a:t>
             </a:r>
           </a:p>
@@ -2149,7 +2152,7 @@
           <a:p>
             <a:fld id="{A4CB353D-2EC3-AF43-8B94-49A50DEE4487}" type="datetimeFigureOut">
               <a:rPr lang="en-US" smtClean="0"/>
-              <a:t>9/20/2017</a:t>
+              <a:t>9/21/2017</a:t>
             </a:fld>
             <a:endParaRPr lang="en-US"/>
           </a:p>
@@ -2417,7 +2420,7 @@
           </a:lstStyle>
           <a:p>
             <a:r>
-              <a:rPr lang="en-US" smtClean="0"/>
+              <a:rPr lang="en-US"/>
               <a:t>Click to edit Master title style</a:t>
             </a:r>
             <a:endParaRPr lang="en-US" dirty="0"/>
@@ -2478,7 +2481,7 @@
           <a:p>
             <a:pPr lvl="0"/>
             <a:r>
-              <a:rPr lang="en-US" smtClean="0"/>
+              <a:rPr lang="en-US"/>
               <a:t>Click to edit Master text styles</a:t>
             </a:r>
           </a:p>
@@ -2522,7 +2525,7 @@
               <a:buNone/>
             </a:pPr>
             <a:r>
-              <a:rPr lang="en-US" smtClean="0"/>
+              <a:rPr lang="en-US"/>
               <a:t>Click to edit Master text styles</a:t>
             </a:r>
           </a:p>
@@ -2545,7 +2548,7 @@
           <a:p>
             <a:fld id="{A4CB353D-2EC3-AF43-8B94-49A50DEE4487}" type="datetimeFigureOut">
               <a:rPr lang="en-US" smtClean="0"/>
-              <a:t>9/20/2017</a:t>
+              <a:t>9/21/2017</a:t>
             </a:fld>
             <a:endParaRPr lang="en-US"/>
           </a:p>
@@ -2726,7 +2729,7 @@
           <a:lstStyle/>
           <a:p>
             <a:r>
-              <a:rPr lang="en-US" smtClean="0"/>
+              <a:rPr lang="en-US"/>
               <a:t>Click to edit Master title style</a:t>
             </a:r>
             <a:endParaRPr lang="en-US" dirty="0"/>
@@ -2750,35 +2753,35 @@
           <a:p>
             <a:pPr lvl="0"/>
             <a:r>
-              <a:rPr lang="en-US" smtClean="0"/>
+              <a:rPr lang="en-US"/>
               <a:t>Click to edit Master text styles</a:t>
             </a:r>
           </a:p>
           <a:p>
             <a:pPr lvl="1"/>
             <a:r>
-              <a:rPr lang="en-US" smtClean="0"/>
+              <a:rPr lang="en-US"/>
               <a:t>Second level</a:t>
             </a:r>
           </a:p>
           <a:p>
             <a:pPr lvl="2"/>
             <a:r>
-              <a:rPr lang="en-US" smtClean="0"/>
+              <a:rPr lang="en-US"/>
               <a:t>Third level</a:t>
             </a:r>
           </a:p>
           <a:p>
             <a:pPr lvl="3"/>
             <a:r>
-              <a:rPr lang="en-US" smtClean="0"/>
+              <a:rPr lang="en-US"/>
               <a:t>Fourth level</a:t>
             </a:r>
           </a:p>
           <a:p>
             <a:pPr lvl="4"/>
             <a:r>
-              <a:rPr lang="en-US" smtClean="0"/>
+              <a:rPr lang="en-US"/>
               <a:t>Fifth level</a:t>
             </a:r>
             <a:endParaRPr lang="en-US" dirty="0"/>
@@ -2802,7 +2805,7 @@
           <a:p>
             <a:fld id="{A4CB353D-2EC3-AF43-8B94-49A50DEE4487}" type="datetimeFigureOut">
               <a:rPr lang="en-US" smtClean="0"/>
-              <a:t>9/20/2017</a:t>
+              <a:t>9/21/2017</a:t>
             </a:fld>
             <a:endParaRPr lang="en-US"/>
           </a:p>
@@ -2983,7 +2986,7 @@
           <a:lstStyle/>
           <a:p>
             <a:r>
-              <a:rPr lang="en-US" smtClean="0"/>
+              <a:rPr lang="en-US"/>
               <a:t>Click to edit Master title style</a:t>
             </a:r>
             <a:endParaRPr lang="en-US" dirty="0"/>
@@ -3012,35 +3015,35 @@
           <a:p>
             <a:pPr lvl="0"/>
             <a:r>
-              <a:rPr lang="en-US" smtClean="0"/>
+              <a:rPr lang="en-US"/>
               <a:t>Click to edit Master text styles</a:t>
             </a:r>
           </a:p>
           <a:p>
             <a:pPr lvl="1"/>
             <a:r>
-              <a:rPr lang="en-US" smtClean="0"/>
+              <a:rPr lang="en-US"/>
               <a:t>Second level</a:t>
             </a:r>
           </a:p>
           <a:p>
             <a:pPr lvl="2"/>
             <a:r>
-              <a:rPr lang="en-US" smtClean="0"/>
+              <a:rPr lang="en-US"/>
               <a:t>Third level</a:t>
             </a:r>
           </a:p>
           <a:p>
             <a:pPr lvl="3"/>
             <a:r>
-              <a:rPr lang="en-US" smtClean="0"/>
+              <a:rPr lang="en-US"/>
               <a:t>Fourth level</a:t>
             </a:r>
           </a:p>
           <a:p>
             <a:pPr lvl="4"/>
             <a:r>
-              <a:rPr lang="en-US" smtClean="0"/>
+              <a:rPr lang="en-US"/>
               <a:t>Fifth level</a:t>
             </a:r>
             <a:endParaRPr lang="en-US" dirty="0"/>
@@ -3064,7 +3067,7 @@
           <a:p>
             <a:fld id="{A4CB353D-2EC3-AF43-8B94-49A50DEE4487}" type="datetimeFigureOut">
               <a:rPr lang="en-US" smtClean="0"/>
-              <a:t>9/20/2017</a:t>
+              <a:t>9/21/2017</a:t>
             </a:fld>
             <a:endParaRPr lang="en-US"/>
           </a:p>
@@ -3245,7 +3248,7 @@
           <a:lstStyle/>
           <a:p>
             <a:r>
-              <a:rPr lang="en-US" smtClean="0"/>
+              <a:rPr lang="en-US"/>
               <a:t>Click to edit Master title style</a:t>
             </a:r>
             <a:endParaRPr lang="en-US" dirty="0"/>
@@ -3274,35 +3277,35 @@
           <a:p>
             <a:pPr lvl="0"/>
             <a:r>
-              <a:rPr lang="en-US" smtClean="0"/>
+              <a:rPr lang="en-US"/>
               <a:t>Click to edit Master text styles</a:t>
             </a:r>
           </a:p>
           <a:p>
             <a:pPr lvl="1"/>
             <a:r>
-              <a:rPr lang="en-US" smtClean="0"/>
+              <a:rPr lang="en-US"/>
               <a:t>Second level</a:t>
             </a:r>
           </a:p>
           <a:p>
             <a:pPr lvl="2"/>
             <a:r>
-              <a:rPr lang="en-US" smtClean="0"/>
+              <a:rPr lang="en-US"/>
               <a:t>Third level</a:t>
             </a:r>
           </a:p>
           <a:p>
             <a:pPr lvl="3"/>
             <a:r>
-              <a:rPr lang="en-US" smtClean="0"/>
+              <a:rPr lang="en-US"/>
               <a:t>Fourth level</a:t>
             </a:r>
           </a:p>
           <a:p>
             <a:pPr lvl="4"/>
             <a:r>
-              <a:rPr lang="en-US" smtClean="0"/>
+              <a:rPr lang="en-US"/>
               <a:t>Fifth level</a:t>
             </a:r>
             <a:endParaRPr lang="en-US" dirty="0"/>
@@ -3326,7 +3329,7 @@
           <a:p>
             <a:fld id="{A4CB353D-2EC3-AF43-8B94-49A50DEE4487}" type="datetimeFigureOut">
               <a:rPr lang="en-US" smtClean="0"/>
-              <a:t>9/20/2017</a:t>
+              <a:t>9/21/2017</a:t>
             </a:fld>
             <a:endParaRPr lang="en-US"/>
           </a:p>
@@ -3511,7 +3514,7 @@
           </a:lstStyle>
           <a:p>
             <a:r>
-              <a:rPr lang="en-US" smtClean="0"/>
+              <a:rPr lang="en-US"/>
               <a:t>Click to edit Master title style</a:t>
             </a:r>
             <a:endParaRPr lang="en-US" dirty="0"/>
@@ -3632,7 +3635,7 @@
           <a:p>
             <a:pPr lvl="0"/>
             <a:r>
-              <a:rPr lang="en-US" smtClean="0"/>
+              <a:rPr lang="en-US"/>
               <a:t>Click to edit Master text styles</a:t>
             </a:r>
           </a:p>
@@ -3655,7 +3658,7 @@
           <a:p>
             <a:fld id="{A4CB353D-2EC3-AF43-8B94-49A50DEE4487}" type="datetimeFigureOut">
               <a:rPr lang="en-US" smtClean="0"/>
-              <a:t>9/20/2017</a:t>
+              <a:t>9/21/2017</a:t>
             </a:fld>
             <a:endParaRPr lang="en-US"/>
           </a:p>
@@ -3836,7 +3839,7 @@
           <a:lstStyle/>
           <a:p>
             <a:r>
-              <a:rPr lang="en-US" smtClean="0"/>
+              <a:rPr lang="en-US"/>
               <a:t>Click to edit Master title style</a:t>
             </a:r>
             <a:endParaRPr lang="en-US" dirty="0"/>
@@ -3867,35 +3870,35 @@
           <a:p>
             <a:pPr lvl="0"/>
             <a:r>
-              <a:rPr lang="en-US" smtClean="0"/>
+              <a:rPr lang="en-US"/>
               <a:t>Click to edit Master text styles</a:t>
             </a:r>
           </a:p>
           <a:p>
             <a:pPr lvl="1"/>
             <a:r>
-              <a:rPr lang="en-US" smtClean="0"/>
+              <a:rPr lang="en-US"/>
               <a:t>Second level</a:t>
             </a:r>
           </a:p>
           <a:p>
             <a:pPr lvl="2"/>
             <a:r>
-              <a:rPr lang="en-US" smtClean="0"/>
+              <a:rPr lang="en-US"/>
               <a:t>Third level</a:t>
             </a:r>
           </a:p>
           <a:p>
             <a:pPr lvl="3"/>
             <a:r>
-              <a:rPr lang="en-US" smtClean="0"/>
+              <a:rPr lang="en-US"/>
               <a:t>Fourth level</a:t>
             </a:r>
           </a:p>
           <a:p>
             <a:pPr lvl="4"/>
             <a:r>
-              <a:rPr lang="en-US" smtClean="0"/>
+              <a:rPr lang="en-US"/>
               <a:t>Fifth level</a:t>
             </a:r>
             <a:endParaRPr lang="en-US" dirty="0"/>
@@ -3926,35 +3929,35 @@
           <a:p>
             <a:pPr lvl="0"/>
             <a:r>
-              <a:rPr lang="en-US" smtClean="0"/>
+              <a:rPr lang="en-US"/>
               <a:t>Click to edit Master text styles</a:t>
             </a:r>
           </a:p>
           <a:p>
             <a:pPr lvl="1"/>
             <a:r>
-              <a:rPr lang="en-US" smtClean="0"/>
+              <a:rPr lang="en-US"/>
               <a:t>Second level</a:t>
             </a:r>
           </a:p>
           <a:p>
             <a:pPr lvl="2"/>
             <a:r>
-              <a:rPr lang="en-US" smtClean="0"/>
+              <a:rPr lang="en-US"/>
               <a:t>Third level</a:t>
             </a:r>
           </a:p>
           <a:p>
             <a:pPr lvl="3"/>
             <a:r>
-              <a:rPr lang="en-US" smtClean="0"/>
+              <a:rPr lang="en-US"/>
               <a:t>Fourth level</a:t>
             </a:r>
           </a:p>
           <a:p>
             <a:pPr lvl="4"/>
             <a:r>
-              <a:rPr lang="en-US" smtClean="0"/>
+              <a:rPr lang="en-US"/>
               <a:t>Fifth level</a:t>
             </a:r>
             <a:endParaRPr lang="en-US" dirty="0"/>
@@ -3978,7 +3981,7 @@
           <a:p>
             <a:fld id="{A4CB353D-2EC3-AF43-8B94-49A50DEE4487}" type="datetimeFigureOut">
               <a:rPr lang="en-US" smtClean="0"/>
-              <a:t>9/20/2017</a:t>
+              <a:t>9/21/2017</a:t>
             </a:fld>
             <a:endParaRPr lang="en-US"/>
           </a:p>
@@ -4159,7 +4162,7 @@
           <a:lstStyle/>
           <a:p>
             <a:r>
-              <a:rPr lang="en-US" smtClean="0"/>
+              <a:rPr lang="en-US"/>
               <a:t>Click to edit Master title style</a:t>
             </a:r>
             <a:endParaRPr lang="en-US" dirty="0"/>
@@ -4227,7 +4230,7 @@
           <a:p>
             <a:pPr lvl="0"/>
             <a:r>
-              <a:rPr lang="en-US" smtClean="0"/>
+              <a:rPr lang="en-US"/>
               <a:t>Click to edit Master text styles</a:t>
             </a:r>
           </a:p>
@@ -4257,35 +4260,35 @@
           <a:p>
             <a:pPr lvl="0"/>
             <a:r>
-              <a:rPr lang="en-US" smtClean="0"/>
+              <a:rPr lang="en-US"/>
               <a:t>Click to edit Master text styles</a:t>
             </a:r>
           </a:p>
           <a:p>
             <a:pPr lvl="1"/>
             <a:r>
-              <a:rPr lang="en-US" smtClean="0"/>
+              <a:rPr lang="en-US"/>
               <a:t>Second level</a:t>
             </a:r>
           </a:p>
           <a:p>
             <a:pPr lvl="2"/>
             <a:r>
-              <a:rPr lang="en-US" smtClean="0"/>
+              <a:rPr lang="en-US"/>
               <a:t>Third level</a:t>
             </a:r>
           </a:p>
           <a:p>
             <a:pPr lvl="3"/>
             <a:r>
-              <a:rPr lang="en-US" smtClean="0"/>
+              <a:rPr lang="en-US"/>
               <a:t>Fourth level</a:t>
             </a:r>
           </a:p>
           <a:p>
             <a:pPr lvl="4"/>
             <a:r>
-              <a:rPr lang="en-US" smtClean="0"/>
+              <a:rPr lang="en-US"/>
               <a:t>Fifth level</a:t>
             </a:r>
             <a:endParaRPr lang="en-US" dirty="0"/>
@@ -4353,7 +4356,7 @@
           <a:p>
             <a:pPr lvl="0"/>
             <a:r>
-              <a:rPr lang="en-US" smtClean="0"/>
+              <a:rPr lang="en-US"/>
               <a:t>Click to edit Master text styles</a:t>
             </a:r>
           </a:p>
@@ -4383,35 +4386,35 @@
           <a:p>
             <a:pPr lvl="0"/>
             <a:r>
-              <a:rPr lang="en-US" smtClean="0"/>
+              <a:rPr lang="en-US"/>
               <a:t>Click to edit Master text styles</a:t>
             </a:r>
           </a:p>
           <a:p>
             <a:pPr lvl="1"/>
             <a:r>
-              <a:rPr lang="en-US" smtClean="0"/>
+              <a:rPr lang="en-US"/>
               <a:t>Second level</a:t>
             </a:r>
           </a:p>
           <a:p>
             <a:pPr lvl="2"/>
             <a:r>
-              <a:rPr lang="en-US" smtClean="0"/>
+              <a:rPr lang="en-US"/>
               <a:t>Third level</a:t>
             </a:r>
           </a:p>
           <a:p>
             <a:pPr lvl="3"/>
             <a:r>
-              <a:rPr lang="en-US" smtClean="0"/>
+              <a:rPr lang="en-US"/>
               <a:t>Fourth level</a:t>
             </a:r>
           </a:p>
           <a:p>
             <a:pPr lvl="4"/>
             <a:r>
-              <a:rPr lang="en-US" smtClean="0"/>
+              <a:rPr lang="en-US"/>
               <a:t>Fifth level</a:t>
             </a:r>
             <a:endParaRPr lang="en-US" dirty="0"/>
@@ -4435,7 +4438,7 @@
           <a:p>
             <a:fld id="{A4CB353D-2EC3-AF43-8B94-49A50DEE4487}" type="datetimeFigureOut">
               <a:rPr lang="en-US" smtClean="0"/>
-              <a:t>9/20/2017</a:t>
+              <a:t>9/21/2017</a:t>
             </a:fld>
             <a:endParaRPr lang="en-US"/>
           </a:p>
@@ -4616,7 +4619,7 @@
           <a:lstStyle/>
           <a:p>
             <a:r>
-              <a:rPr lang="en-US" smtClean="0"/>
+              <a:rPr lang="en-US"/>
               <a:t>Click to edit Master title style</a:t>
             </a:r>
             <a:endParaRPr lang="en-US" dirty="0"/>
@@ -4640,7 +4643,7 @@
           <a:p>
             <a:fld id="{A4CB353D-2EC3-AF43-8B94-49A50DEE4487}" type="datetimeFigureOut">
               <a:rPr lang="en-US" smtClean="0"/>
-              <a:t>9/20/2017</a:t>
+              <a:t>9/21/2017</a:t>
             </a:fld>
             <a:endParaRPr lang="en-US"/>
           </a:p>
@@ -4817,7 +4820,7 @@
           <a:p>
             <a:fld id="{A4CB353D-2EC3-AF43-8B94-49A50DEE4487}" type="datetimeFigureOut">
               <a:rPr lang="en-US" smtClean="0"/>
-              <a:t>9/20/2017</a:t>
+              <a:t>9/21/2017</a:t>
             </a:fld>
             <a:endParaRPr lang="en-US"/>
           </a:p>
@@ -5002,7 +5005,7 @@
           </a:lstStyle>
           <a:p>
             <a:r>
-              <a:rPr lang="en-US" smtClean="0"/>
+              <a:rPr lang="en-US"/>
               <a:t>Click to edit Master title style</a:t>
             </a:r>
             <a:endParaRPr lang="en-US" dirty="0"/>
@@ -5033,35 +5036,35 @@
           <a:p>
             <a:pPr lvl="0"/>
             <a:r>
-              <a:rPr lang="en-US" smtClean="0"/>
+              <a:rPr lang="en-US"/>
               <a:t>Click to edit Master text styles</a:t>
             </a:r>
           </a:p>
           <a:p>
             <a:pPr lvl="1"/>
             <a:r>
-              <a:rPr lang="en-US" smtClean="0"/>
+              <a:rPr lang="en-US"/>
               <a:t>Second level</a:t>
             </a:r>
           </a:p>
           <a:p>
             <a:pPr lvl="2"/>
             <a:r>
-              <a:rPr lang="en-US" smtClean="0"/>
+              <a:rPr lang="en-US"/>
               <a:t>Third level</a:t>
             </a:r>
           </a:p>
           <a:p>
             <a:pPr lvl="3"/>
             <a:r>
-              <a:rPr lang="en-US" smtClean="0"/>
+              <a:rPr lang="en-US"/>
               <a:t>Fourth level</a:t>
             </a:r>
           </a:p>
           <a:p>
             <a:pPr lvl="4"/>
             <a:r>
-              <a:rPr lang="en-US" smtClean="0"/>
+              <a:rPr lang="en-US"/>
               <a:t>Fifth level</a:t>
             </a:r>
             <a:endParaRPr lang="en-US" dirty="0"/>
@@ -5127,7 +5130,7 @@
           <a:p>
             <a:pPr lvl="0"/>
             <a:r>
-              <a:rPr lang="en-US" smtClean="0"/>
+              <a:rPr lang="en-US"/>
               <a:t>Click to edit Master text styles</a:t>
             </a:r>
           </a:p>
@@ -5150,7 +5153,7 @@
           <a:p>
             <a:fld id="{A4CB353D-2EC3-AF43-8B94-49A50DEE4487}" type="datetimeFigureOut">
               <a:rPr lang="en-US" smtClean="0"/>
-              <a:t>9/20/2017</a:t>
+              <a:t>9/21/2017</a:t>
             </a:fld>
             <a:endParaRPr lang="en-US"/>
           </a:p>
@@ -5337,7 +5340,7 @@
           </a:lstStyle>
           <a:p>
             <a:r>
-              <a:rPr lang="en-US" smtClean="0"/>
+              <a:rPr lang="en-US"/>
               <a:t>Click to edit Master title style</a:t>
             </a:r>
             <a:endParaRPr lang="en-US" dirty="0"/>
@@ -5404,7 +5407,7 @@
           </a:lstStyle>
           <a:p>
             <a:r>
-              <a:rPr lang="en-US" smtClean="0"/>
+              <a:rPr lang="en-US"/>
               <a:t>Click icon to add picture</a:t>
             </a:r>
             <a:endParaRPr lang="en-US" dirty="0"/>
@@ -5472,7 +5475,7 @@
           <a:p>
             <a:pPr lvl="0"/>
             <a:r>
-              <a:rPr lang="en-US" smtClean="0"/>
+              <a:rPr lang="en-US"/>
               <a:t>Click to edit Master text styles</a:t>
             </a:r>
           </a:p>
@@ -5495,7 +5498,7 @@
           <a:p>
             <a:fld id="{A4CB353D-2EC3-AF43-8B94-49A50DEE4487}" type="datetimeFigureOut">
               <a:rPr lang="en-US" smtClean="0"/>
-              <a:t>9/20/2017</a:t>
+              <a:t>9/21/2017</a:t>
             </a:fld>
             <a:endParaRPr lang="en-US"/>
           </a:p>
@@ -7508,7 +7511,7 @@
           <a:lstStyle/>
           <a:p>
             <a:r>
-              <a:rPr lang="en-US" smtClean="0"/>
+              <a:rPr lang="en-US"/>
               <a:t>Click to edit Master title style</a:t>
             </a:r>
             <a:endParaRPr lang="en-US" dirty="0"/>
@@ -7542,35 +7545,35 @@
           <a:p>
             <a:pPr lvl="0"/>
             <a:r>
-              <a:rPr lang="en-US" smtClean="0"/>
+              <a:rPr lang="en-US"/>
               <a:t>Click to edit Master text styles</a:t>
             </a:r>
           </a:p>
           <a:p>
             <a:pPr lvl="1"/>
             <a:r>
-              <a:rPr lang="en-US" smtClean="0"/>
+              <a:rPr lang="en-US"/>
               <a:t>Second level</a:t>
             </a:r>
           </a:p>
           <a:p>
             <a:pPr lvl="2"/>
             <a:r>
-              <a:rPr lang="en-US" smtClean="0"/>
+              <a:rPr lang="en-US"/>
               <a:t>Third level</a:t>
             </a:r>
           </a:p>
           <a:p>
             <a:pPr lvl="3"/>
             <a:r>
-              <a:rPr lang="en-US" smtClean="0"/>
+              <a:rPr lang="en-US"/>
               <a:t>Fourth level</a:t>
             </a:r>
           </a:p>
           <a:p>
             <a:pPr lvl="4"/>
             <a:r>
-              <a:rPr lang="en-US" smtClean="0"/>
+              <a:rPr lang="en-US"/>
               <a:t>Fifth level</a:t>
             </a:r>
             <a:endParaRPr lang="en-US" dirty="0"/>
@@ -7612,7 +7615,7 @@
           <a:p>
             <a:fld id="{A4CB353D-2EC3-AF43-8B94-49A50DEE4487}" type="datetimeFigureOut">
               <a:rPr lang="en-US" smtClean="0"/>
-              <a:t>9/20/2017</a:t>
+              <a:t>9/21/2017</a:t>
             </a:fld>
             <a:endParaRPr lang="en-US"/>
           </a:p>
@@ -8153,37 +8156,9 @@
           <a:lstStyle/>
           <a:p>
             <a:r>
-              <a:rPr lang="en-US" b="1" dirty="0" smtClean="0"/>
-              <a:t>HOOSIER NATIONAL FOREST </a:t>
-            </a:r>
-            <a:r>
-              <a:rPr lang="en-US" b="1" dirty="0" smtClean="0"/>
-              <a:t>-</a:t>
-            </a:r>
-            <a:r>
-              <a:rPr lang="en-US" b="1" dirty="0" smtClean="0"/>
-              <a:t>DARK SKY DESIGNATION</a:t>
-            </a:r>
-            <a:endParaRPr lang="en-US" b="1" dirty="0"/>
-          </a:p>
-        </p:txBody>
-      </p:sp>
-      <p:sp>
-        <p:nvSpPr>
-          <p:cNvPr id="4" name="Subtitle 3"/>
-          <p:cNvSpPr>
-            <a:spLocks noGrp="1"/>
-          </p:cNvSpPr>
-          <p:nvPr>
-            <p:ph type="subTitle" idx="1"/>
-          </p:nvPr>
-        </p:nvSpPr>
-        <p:spPr/>
-        <p:txBody>
-          <a:bodyPr/>
-          <a:lstStyle/>
-          <a:p>
-            <a:endParaRPr lang="en-IN" dirty="0"/>
+              <a:rPr lang="en-US" b="1" dirty="0"/>
+              <a:t>HOOSIER NATIONAL FOREST -DARK SKY DESIGNATION</a:t>
+            </a:r>
           </a:p>
         </p:txBody>
       </p:sp>
@@ -8197,13 +8172,6 @@
   <p:clrMapOvr>
     <a:masterClrMapping/>
   </p:clrMapOvr>
-  <p:timing>
-    <p:tnLst>
-      <p:par>
-        <p:cTn id="1" dur="indefinite" restart="never" nodeType="tmRoot"/>
-      </p:par>
-    </p:tnLst>
-  </p:timing>
 </p:sld>
 </file>
 
@@ -8246,32 +8214,19 @@
           </a:bodyPr>
           <a:lstStyle/>
           <a:p>
-            <a:r>
-              <a:rPr lang="en-IN" sz="6600" dirty="0" smtClean="0"/>
-              <a:t/>
-            </a:r>
-            <a:br>
-              <a:rPr lang="en-IN" sz="6600" dirty="0" smtClean="0"/>
-            </a:br>
-            <a:r>
-              <a:rPr lang="en-IN" sz="6600" dirty="0"/>
-              <a:t/>
-            </a:r>
             <a:br>
               <a:rPr lang="en-IN" sz="6600" dirty="0"/>
             </a:br>
-            <a:r>
-              <a:rPr lang="en-IN" sz="6600" dirty="0" smtClean="0"/>
-              <a:t/>
-            </a:r>
             <a:br>
-              <a:rPr lang="en-IN" sz="6600" dirty="0" smtClean="0"/>
+              <a:rPr lang="en-IN" sz="6600" dirty="0"/>
             </a:br>
-            <a:r>
-              <a:rPr lang="en-IN" sz="6600" dirty="0" smtClean="0"/>
+            <a:br>
+              <a:rPr lang="en-IN" sz="6600" dirty="0"/>
+            </a:br>
+            <a:r>
+              <a:rPr lang="en-IN" sz="6600" dirty="0"/>
               <a:t>    THANK YOU!</a:t>
             </a:r>
-            <a:endParaRPr lang="en-IN" sz="6600" dirty="0"/>
           </a:p>
         </p:txBody>
       </p:sp>
@@ -8285,13 +8240,6 @@
   <p:clrMapOvr>
     <a:masterClrMapping/>
   </p:clrMapOvr>
-  <p:timing>
-    <p:tnLst>
-      <p:par>
-        <p:cTn id="1" dur="indefinite" restart="never" nodeType="tmRoot"/>
-      </p:par>
-    </p:tnLst>
-  </p:timing>
 </p:sld>
 </file>
 
@@ -8330,10 +8278,9 @@
           <a:lstStyle/>
           <a:p>
             <a:r>
-              <a:rPr lang="en-US" sz="4400" b="1" dirty="0" smtClean="0"/>
+              <a:rPr lang="en-US" sz="4400" b="1" dirty="0"/>
               <a:t>LIGHT POLLUTION</a:t>
             </a:r>
-            <a:endParaRPr lang="en-US" sz="4400" b="1" dirty="0"/>
           </a:p>
         </p:txBody>
       </p:sp>
@@ -8362,45 +8309,20 @@
             <a:pPr marL="0" indent="0">
               <a:buNone/>
             </a:pPr>
-            <a:endParaRPr lang="en-US" sz="2400" dirty="0" smtClean="0"/>
-          </a:p>
-          <a:p>
-            <a:r>
-              <a:rPr lang="en-US" sz="2400" dirty="0" smtClean="0"/>
+            <a:endParaRPr lang="en-US" sz="2400" dirty="0"/>
+          </a:p>
+          <a:p>
+            <a:r>
+              <a:rPr lang="en-US" sz="2400" dirty="0"/>
               <a:t>Light pollution has impaired ability of millions of children to experience the spectacular starry night sky. </a:t>
             </a:r>
-            <a:endParaRPr lang="en-US" sz="2400" dirty="0" smtClean="0"/>
           </a:p>
           <a:p>
             <a:r>
               <a:rPr lang="en-IN" sz="2400" dirty="0"/>
-              <a:t>The redundant lighting found in many urban </a:t>
-            </a:r>
-            <a:r>
-              <a:rPr lang="en-IN" sz="2400" dirty="0" smtClean="0"/>
-              <a:t>areas results </a:t>
-            </a:r>
-            <a:r>
-              <a:rPr lang="en-IN" sz="2400" dirty="0"/>
-              <a:t>in a clutter of lights that contribute to sky </a:t>
-            </a:r>
-            <a:r>
-              <a:rPr lang="en-IN" sz="2400" dirty="0" smtClean="0"/>
-              <a:t>glow </a:t>
-            </a:r>
-            <a:r>
-              <a:rPr lang="en-IN" sz="2400" dirty="0"/>
-              <a:t>and glare while destroying the ambiance of our </a:t>
-            </a:r>
-            <a:r>
-              <a:rPr lang="en-IN" sz="2400" dirty="0" smtClean="0"/>
-              <a:t>night time </a:t>
-            </a:r>
-            <a:r>
-              <a:rPr lang="en-IN" sz="2400" dirty="0"/>
-              <a:t>environment.</a:t>
-            </a:r>
-            <a:endParaRPr lang="en-US" sz="2400" dirty="0" smtClean="0"/>
+              <a:t>The redundant lighting found in many urban areas results in a clutter of lights that contribute to sky glow and glare while destroying the ambiance of our night time environment.</a:t>
+            </a:r>
+            <a:endParaRPr lang="en-US" sz="2400" dirty="0"/>
           </a:p>
           <a:p>
             <a:pPr marL="0" indent="0">
@@ -8420,13 +8342,6 @@
   <p:clrMapOvr>
     <a:masterClrMapping/>
   </p:clrMapOvr>
-  <p:timing>
-    <p:tnLst>
-      <p:par>
-        <p:cTn id="1" dur="indefinite" restart="never" nodeType="tmRoot"/>
-      </p:par>
-    </p:tnLst>
-  </p:timing>
 </p:sld>
 </file>
 
@@ -8504,19 +8419,7 @@
             </a:pPr>
             <a:r>
               <a:rPr lang="en-US" sz="2400" dirty="0"/>
-              <a:t>The </a:t>
-            </a:r>
-            <a:r>
-              <a:rPr lang="en-US" sz="2400" dirty="0" smtClean="0"/>
-              <a:t>image </a:t>
-            </a:r>
-            <a:r>
-              <a:rPr lang="en-US" sz="2400" dirty="0" smtClean="0"/>
-              <a:t>illustrates </a:t>
-            </a:r>
-            <a:r>
-              <a:rPr lang="en-US" sz="2400" dirty="0"/>
-              <a:t>the different components of light pollution and what “good” lighting looks like. (Image by </a:t>
+              <a:t>The image illustrates the different components of light pollution and what “good” lighting looks like. (Image by </a:t>
             </a:r>
             <a:r>
               <a:rPr lang="en-US" sz="2400" dirty="0" err="1"/>
@@ -8547,13 +8450,6 @@
   <p:clrMapOvr>
     <a:masterClrMapping/>
   </p:clrMapOvr>
-  <p:timing>
-    <p:tnLst>
-      <p:par>
-        <p:cTn id="1" dur="indefinite" restart="never" nodeType="tmRoot"/>
-      </p:par>
-    </p:tnLst>
-  </p:timing>
 </p:sld>
 </file>
 
@@ -8592,10 +8488,9 @@
           <a:lstStyle/>
           <a:p>
             <a:r>
-              <a:rPr lang="en-IN" sz="4800" b="1" dirty="0" smtClean="0"/>
+              <a:rPr lang="en-IN" sz="4800" b="1" dirty="0"/>
               <a:t>DARK SKY DESIGNATION</a:t>
             </a:r>
-            <a:endParaRPr lang="en-IN" sz="4800" b="1" dirty="0"/>
           </a:p>
         </p:txBody>
       </p:sp>
@@ -8617,25 +8512,21 @@
           <a:lstStyle/>
           <a:p>
             <a:r>
-              <a:rPr lang="en-IN" sz="2400" dirty="0" smtClean="0"/>
+              <a:rPr lang="en-IN" sz="2400" dirty="0"/>
               <a:t>The International Dark Sky Association(IDA) along with Hoosier National Forest are working to protect the night skies for present and future generations.</a:t>
             </a:r>
           </a:p>
           <a:p>
             <a:r>
-              <a:rPr lang="en-IN" sz="2400" dirty="0" smtClean="0"/>
-              <a:t>Sensors developed </a:t>
-            </a:r>
-            <a:r>
               <a:rPr lang="en-IN" sz="2400" dirty="0"/>
-              <a:t>by IU Informatics and Computing Professor Bryce </a:t>
-            </a:r>
-            <a:r>
-              <a:rPr lang="en-IN" sz="2400" dirty="0" err="1" smtClean="0"/>
+              <a:t>Sensors developed by IU Informatics and Computing Professor Bryce </a:t>
+            </a:r>
+            <a:r>
+              <a:rPr lang="en-IN" sz="2400" dirty="0" err="1"/>
               <a:t>Himebaugh</a:t>
             </a:r>
             <a:r>
-              <a:rPr lang="en-IN" sz="2400" dirty="0" smtClean="0"/>
+              <a:rPr lang="en-IN" sz="2400" dirty="0"/>
               <a:t> will help generate data  to identify accessible locations with less light pollution.</a:t>
             </a:r>
           </a:p>
@@ -8657,13 +8548,6 @@
   <p:clrMapOvr>
     <a:masterClrMapping/>
   </p:clrMapOvr>
-  <p:timing>
-    <p:tnLst>
-      <p:par>
-        <p:cTn id="1" dur="indefinite" restart="never" nodeType="tmRoot"/>
-      </p:par>
-    </p:tnLst>
-  </p:timing>
 </p:sld>
 </file>
 
@@ -8707,10 +8591,9 @@
           <a:lstStyle/>
           <a:p>
             <a:r>
-              <a:rPr lang="en-US" sz="4800" b="1" dirty="0" smtClean="0"/>
+              <a:rPr lang="en-US" sz="4800" b="1" dirty="0"/>
               <a:t>OUR ROLE</a:t>
             </a:r>
-            <a:endParaRPr lang="en-US" sz="4800" b="1" dirty="0"/>
           </a:p>
         </p:txBody>
       </p:sp>
@@ -8738,35 +8621,30 @@
           <a:p>
             <a:r>
               <a:rPr lang="en-US" sz="2400" dirty="0"/>
-              <a:t>An interactive website to help astronomers gather data and check current and past light intensity history of the sensor </a:t>
-            </a:r>
-            <a:r>
-              <a:rPr lang="en-US" sz="2400" dirty="0" smtClean="0"/>
-              <a:t>location.</a:t>
-            </a:r>
-            <a:endParaRPr lang="en-US" sz="2400" dirty="0" smtClean="0"/>
-          </a:p>
-          <a:p>
-            <a:r>
-              <a:rPr lang="en-US" sz="2400" dirty="0" smtClean="0"/>
+              <a:t>An interactive website to help astronomers gather data and check current and past light intensity history of the sensor location.</a:t>
+            </a:r>
+          </a:p>
+          <a:p>
+            <a:r>
+              <a:rPr lang="en-US" sz="2400" dirty="0"/>
               <a:t>User and admin dashboards having an interactive map  representing sensor location and data related to light intensity and the past records of sensor.</a:t>
             </a:r>
           </a:p>
           <a:p>
             <a:r>
-              <a:rPr lang="en-US" sz="2400" dirty="0" smtClean="0"/>
+              <a:rPr lang="en-US" sz="2400" dirty="0"/>
               <a:t>Filter or default views for the user dashboard based on user preferences.</a:t>
             </a:r>
           </a:p>
           <a:p>
             <a:r>
-              <a:rPr lang="en-US" sz="2400" dirty="0" smtClean="0"/>
+              <a:rPr lang="en-US" sz="2400" dirty="0"/>
               <a:t>The product generates csv files which can be used to predict new sensor locations. </a:t>
             </a:r>
           </a:p>
           <a:p>
             <a:r>
-              <a:rPr lang="en-US" sz="2400" dirty="0" smtClean="0"/>
+              <a:rPr lang="en-US" sz="2400" dirty="0"/>
               <a:t>A feedback system. </a:t>
             </a:r>
           </a:p>
@@ -8785,13 +8663,6 @@
   <p:clrMapOvr>
     <a:masterClrMapping/>
   </p:clrMapOvr>
-  <p:timing>
-    <p:tnLst>
-      <p:par>
-        <p:cTn id="1" dur="indefinite" restart="never" nodeType="tmRoot"/>
-      </p:par>
-    </p:tnLst>
-  </p:timing>
 </p:sld>
 </file>
 
@@ -8835,11 +8706,11 @@
           <a:lstStyle/>
           <a:p>
             <a:r>
-              <a:rPr lang="en-US" sz="4800" b="1" dirty="0" smtClean="0"/>
+              <a:rPr lang="en-US" sz="4800" b="1" dirty="0"/>
               <a:t>PROJECT APPROACH</a:t>
             </a:r>
             <a:br>
-              <a:rPr lang="en-US" sz="4800" b="1" dirty="0" smtClean="0"/>
+              <a:rPr lang="en-US" sz="4800" b="1" dirty="0"/>
             </a:br>
             <a:endParaRPr lang="en-US" sz="4800" b="1" dirty="0"/>
           </a:p>
@@ -8863,48 +8734,27 @@
           <a:lstStyle/>
           <a:p>
             <a:r>
-              <a:rPr lang="en-US" sz="2400" dirty="0" smtClean="0"/>
-              <a:t>Python, Django </a:t>
-            </a:r>
-            <a:r>
-              <a:rPr lang="en-US" sz="2400" dirty="0" smtClean="0"/>
-              <a:t>for back end development.</a:t>
-            </a:r>
-          </a:p>
-          <a:p>
-            <a:r>
-              <a:rPr lang="en-US" sz="2400" dirty="0" smtClean="0"/>
-              <a:t>HTML5, </a:t>
-            </a:r>
-            <a:r>
-              <a:rPr lang="en-US" sz="2400" dirty="0" smtClean="0"/>
-              <a:t>JavaScript, </a:t>
-            </a:r>
-            <a:r>
-              <a:rPr lang="en-US" sz="2400" dirty="0" smtClean="0"/>
-              <a:t>CSS for front end development.</a:t>
-            </a:r>
-          </a:p>
-          <a:p>
-            <a:r>
-              <a:rPr lang="en-US" sz="2400" dirty="0" smtClean="0"/>
-              <a:t>Database will be built using </a:t>
-            </a:r>
-            <a:r>
-              <a:rPr lang="en-US" sz="2400" dirty="0" smtClean="0"/>
-              <a:t>PostgreSQL</a:t>
-            </a:r>
-            <a:r>
-              <a:rPr lang="en-US" sz="2400" dirty="0" smtClean="0"/>
-              <a:t>.  </a:t>
-            </a:r>
-          </a:p>
-          <a:p>
-            <a:r>
-              <a:rPr lang="en-US" sz="2400" dirty="0" smtClean="0"/>
+              <a:rPr lang="en-US" sz="2400" dirty="0"/>
+              <a:t>Django for frontend and backend development.</a:t>
+            </a:r>
+          </a:p>
+          <a:p>
+            <a:r>
+              <a:rPr lang="en-US" sz="2400" dirty="0"/>
+              <a:t>HTML5, JavaScript, CSS for front end development.</a:t>
+            </a:r>
+          </a:p>
+          <a:p>
+            <a:r>
+              <a:rPr lang="en-US" sz="2400" dirty="0"/>
+              <a:t>Database will be built using PostgreSQL.  </a:t>
+            </a:r>
+          </a:p>
+          <a:p>
+            <a:r>
+              <a:rPr lang="en-US" sz="2400" dirty="0"/>
               <a:t>Jira for project tracking.</a:t>
             </a:r>
-            <a:endParaRPr lang="en-US" sz="2400" dirty="0" smtClean="0"/>
           </a:p>
         </p:txBody>
       </p:sp>
@@ -8918,13 +8768,6 @@
   <p:clrMapOvr>
     <a:masterClrMapping/>
   </p:clrMapOvr>
-  <p:timing>
-    <p:tnLst>
-      <p:par>
-        <p:cTn id="1" dur="indefinite" restart="never" nodeType="tmRoot"/>
-      </p:par>
-    </p:tnLst>
-  </p:timing>
 </p:sld>
 </file>
 
@@ -8963,10 +8806,9 @@
           <a:lstStyle/>
           <a:p>
             <a:r>
-              <a:rPr lang="en-IN" sz="4800" b="1" dirty="0" smtClean="0"/>
+              <a:rPr lang="en-IN" sz="4800" b="1" dirty="0"/>
               <a:t>PROJECT PLAN	</a:t>
             </a:r>
-            <a:endParaRPr lang="en-IN" sz="4800" b="1" dirty="0"/>
           </a:p>
         </p:txBody>
       </p:sp>
@@ -8991,11 +8833,11 @@
               <a:buNone/>
             </a:pPr>
             <a:r>
-              <a:rPr lang="en-IN" sz="2400" b="1" dirty="0" smtClean="0"/>
+              <a:rPr lang="en-IN" sz="2400" b="1" dirty="0"/>
               <a:t>Sprint 1</a:t>
             </a:r>
             <a:r>
-              <a:rPr lang="en-IN" sz="2400" dirty="0" smtClean="0"/>
+              <a:rPr lang="en-IN" sz="2400" dirty="0"/>
               <a:t> :  Login and registration</a:t>
             </a:r>
           </a:p>
@@ -9004,11 +8846,11 @@
               <a:buNone/>
             </a:pPr>
             <a:r>
-              <a:rPr lang="en-IN" sz="2400" b="1" dirty="0" smtClean="0"/>
+              <a:rPr lang="en-IN" sz="2400" b="1" dirty="0"/>
               <a:t>Sprint 2</a:t>
             </a:r>
             <a:r>
-              <a:rPr lang="en-IN" sz="2400" dirty="0" smtClean="0"/>
+              <a:rPr lang="en-IN" sz="2400" dirty="0"/>
               <a:t> :  Add interactive map to dashboard</a:t>
             </a:r>
           </a:p>
@@ -9017,11 +8859,11 @@
               <a:buNone/>
             </a:pPr>
             <a:r>
-              <a:rPr lang="en-IN" sz="2400" b="1" dirty="0" smtClean="0"/>
+              <a:rPr lang="en-IN" sz="2400" b="1" dirty="0"/>
               <a:t>Sprint 3</a:t>
             </a:r>
             <a:r>
-              <a:rPr lang="en-IN" sz="2400" dirty="0" smtClean="0"/>
+              <a:rPr lang="en-IN" sz="2400" dirty="0"/>
               <a:t> :  Search and Filter sensors</a:t>
             </a:r>
           </a:p>
@@ -9030,20 +8872,12 @@
               <a:buNone/>
             </a:pPr>
             <a:r>
-              <a:rPr lang="en-IN" sz="2400" b="1" dirty="0" smtClean="0"/>
+              <a:rPr lang="en-IN" sz="2400" b="1" dirty="0"/>
               <a:t>Sprint 4</a:t>
             </a:r>
             <a:r>
-              <a:rPr lang="en-IN" sz="2400" dirty="0" smtClean="0"/>
-              <a:t> :  Graphs and </a:t>
-            </a:r>
-            <a:r>
-              <a:rPr lang="en-IN" sz="2400" dirty="0" err="1" smtClean="0"/>
-              <a:t>favorite</a:t>
-            </a:r>
-            <a:r>
-              <a:rPr lang="en-IN" sz="2400" dirty="0" smtClean="0"/>
-              <a:t> sensors features</a:t>
+              <a:rPr lang="en-IN" sz="2400" dirty="0"/>
+              <a:t> :  Graphs and favourite sensors features</a:t>
             </a:r>
           </a:p>
           <a:p>
@@ -9051,14 +8885,13 @@
               <a:buNone/>
             </a:pPr>
             <a:r>
-              <a:rPr lang="en-IN" sz="2400" b="1" dirty="0" smtClean="0"/>
+              <a:rPr lang="en-IN" sz="2400" b="1" dirty="0"/>
               <a:t>Sprint 5</a:t>
             </a:r>
             <a:r>
-              <a:rPr lang="en-IN" sz="2400" dirty="0" smtClean="0"/>
+              <a:rPr lang="en-IN" sz="2400" dirty="0"/>
               <a:t> :  Comments and feedback feature</a:t>
             </a:r>
-            <a:endParaRPr lang="en-IN" sz="2400" dirty="0"/>
           </a:p>
         </p:txBody>
       </p:sp>
@@ -9072,13 +8905,6 @@
   <p:clrMapOvr>
     <a:masterClrMapping/>
   </p:clrMapOvr>
-  <p:timing>
-    <p:tnLst>
-      <p:par>
-        <p:cTn id="1" dur="indefinite" restart="never" nodeType="tmRoot"/>
-      </p:par>
-    </p:tnLst>
-  </p:timing>
 </p:sld>
 </file>
 
@@ -9117,11 +8943,11 @@
           <a:lstStyle/>
           <a:p>
             <a:r>
-              <a:rPr lang="en-IN" sz="4800" b="1" dirty="0" smtClean="0"/>
+              <a:rPr lang="en-IN" sz="4800" b="1" dirty="0"/>
               <a:t>TEAM MEMBERS </a:t>
             </a:r>
             <a:br>
-              <a:rPr lang="en-IN" sz="4800" b="1" dirty="0" smtClean="0"/>
+              <a:rPr lang="en-IN" sz="4800" b="1" dirty="0"/>
             </a:br>
             <a:r>
               <a:rPr lang="en-IN" sz="4800" b="1" dirty="0"/>
@@ -9155,9 +8981,27 @@
                 <a:tableStyleId>{5C22544A-7EE6-4342-B048-85BDC9FD1C3A}</a:tableStyleId>
               </a:tblPr>
               <a:tblGrid>
-                <a:gridCol w="2844800"/>
-                <a:gridCol w="2844800"/>
-                <a:gridCol w="2844800"/>
+                <a:gridCol w="2844800">
+                  <a:extLst>
+                    <a:ext uri="{9D8B030D-6E8A-4147-A177-3AD203B41FA5}">
+                      <a16:colId xmlns:a16="http://schemas.microsoft.com/office/drawing/2014/main" val="20000"/>
+                    </a:ext>
+                  </a:extLst>
+                </a:gridCol>
+                <a:gridCol w="2844800">
+                  <a:extLst>
+                    <a:ext uri="{9D8B030D-6E8A-4147-A177-3AD203B41FA5}">
+                      <a16:colId xmlns:a16="http://schemas.microsoft.com/office/drawing/2014/main" val="20001"/>
+                    </a:ext>
+                  </a:extLst>
+                </a:gridCol>
+                <a:gridCol w="2844800">
+                  <a:extLst>
+                    <a:ext uri="{9D8B030D-6E8A-4147-A177-3AD203B41FA5}">
+                      <a16:colId xmlns:a16="http://schemas.microsoft.com/office/drawing/2014/main" val="20002"/>
+                    </a:ext>
+                  </a:extLst>
+                </a:gridCol>
               </a:tblGrid>
               <a:tr h="752856">
                 <a:tc>
@@ -9166,10 +9010,9 @@
                     <a:lstStyle/>
                     <a:p>
                       <a:r>
-                        <a:rPr lang="en-IN" sz="2400" b="1" dirty="0" smtClean="0"/>
+                        <a:rPr lang="en-IN" sz="2400" b="1" dirty="0"/>
                         <a:t>Name</a:t>
                       </a:r>
-                      <a:endParaRPr lang="en-IN" sz="2400" b="1" dirty="0"/>
                     </a:p>
                   </a:txBody>
                   <a:tcPr/>
@@ -9180,10 +9023,9 @@
                     <a:lstStyle/>
                     <a:p>
                       <a:r>
-                        <a:rPr lang="en-IN" sz="2400" b="1" dirty="0" smtClean="0"/>
+                        <a:rPr lang="en-IN" sz="2400" b="1" dirty="0"/>
                         <a:t>Primary Role</a:t>
                       </a:r>
-                      <a:endParaRPr lang="en-IN" sz="2400" b="1" dirty="0"/>
                     </a:p>
                   </a:txBody>
                   <a:tcPr/>
@@ -9194,14 +9036,18 @@
                     <a:lstStyle/>
                     <a:p>
                       <a:r>
-                        <a:rPr lang="en-IN" sz="2400" b="1" dirty="0" smtClean="0"/>
+                        <a:rPr lang="en-IN" sz="2400" b="1" dirty="0"/>
                         <a:t>Secondary Role</a:t>
                       </a:r>
-                      <a:endParaRPr lang="en-IN" sz="2400" b="1" dirty="0"/>
                     </a:p>
                   </a:txBody>
                   <a:tcPr/>
                 </a:tc>
+                <a:extLst>
+                  <a:ext uri="{0D108BD9-81ED-4DB2-BD59-A6C34878D82A}">
+                    <a16:rowId xmlns:a16="http://schemas.microsoft.com/office/drawing/2014/main" val="10000"/>
+                  </a:ext>
+                </a:extLst>
               </a:tr>
               <a:tr h="752856">
                 <a:tc>
@@ -9210,15 +9056,15 @@
                     <a:lstStyle/>
                     <a:p>
                       <a:r>
-                        <a:rPr lang="en-IN" sz="2000" b="0" dirty="0" err="1" smtClean="0"/>
+                        <a:rPr lang="en-IN" sz="2000" b="0" dirty="0" err="1"/>
                         <a:t>Adarsh</a:t>
                       </a:r>
                       <a:r>
-                        <a:rPr lang="en-IN" sz="2000" b="0" dirty="0" smtClean="0"/>
+                        <a:rPr lang="en-IN" sz="2000" b="0" dirty="0"/>
                         <a:t> </a:t>
                       </a:r>
                       <a:r>
-                        <a:rPr lang="en-IN" sz="2000" b="0" dirty="0" err="1" smtClean="0"/>
+                        <a:rPr lang="en-IN" sz="2000" b="0" dirty="0" err="1"/>
                         <a:t>Bhandary</a:t>
                       </a:r>
                       <a:endParaRPr lang="en-IN" sz="2000" b="0" dirty="0"/>
@@ -9232,10 +9078,9 @@
                     <a:lstStyle/>
                     <a:p>
                       <a:r>
-                        <a:rPr lang="en-IN" sz="2000" b="0" dirty="0" smtClean="0"/>
+                        <a:rPr lang="en-IN" sz="2000" b="0" dirty="0"/>
                         <a:t>Backend </a:t>
                       </a:r>
-                      <a:endParaRPr lang="en-IN" sz="2000" b="0" dirty="0"/>
                     </a:p>
                   </a:txBody>
                   <a:tcPr/>
@@ -9246,14 +9091,18 @@
                     <a:lstStyle/>
                     <a:p>
                       <a:r>
-                        <a:rPr lang="en-IN" sz="2000" b="0" dirty="0" smtClean="0"/>
+                        <a:rPr lang="en-IN" sz="2000" b="0" dirty="0"/>
                         <a:t>Frontend</a:t>
                       </a:r>
-                      <a:endParaRPr lang="en-IN" sz="2000" b="0" dirty="0"/>
                     </a:p>
                   </a:txBody>
                   <a:tcPr/>
                 </a:tc>
+                <a:extLst>
+                  <a:ext uri="{0D108BD9-81ED-4DB2-BD59-A6C34878D82A}">
+                    <a16:rowId xmlns:a16="http://schemas.microsoft.com/office/drawing/2014/main" val="10001"/>
+                  </a:ext>
+                </a:extLst>
               </a:tr>
               <a:tr h="752856">
                 <a:tc>
@@ -9262,11 +9111,11 @@
                     <a:lstStyle/>
                     <a:p>
                       <a:r>
-                        <a:rPr lang="en-IN" sz="2000" b="0" dirty="0" smtClean="0"/>
+                        <a:rPr lang="en-IN" sz="2000" b="0" dirty="0"/>
                         <a:t>Shantanu </a:t>
                       </a:r>
                       <a:r>
-                        <a:rPr lang="en-IN" sz="2000" b="0" dirty="0" err="1" smtClean="0"/>
+                        <a:rPr lang="en-IN" sz="2000" b="0" dirty="0" err="1"/>
                         <a:t>Kotambkar</a:t>
                       </a:r>
                       <a:endParaRPr lang="en-IN" sz="2000" b="0" dirty="0"/>
@@ -9280,10 +9129,9 @@
                     <a:lstStyle/>
                     <a:p>
                       <a:r>
-                        <a:rPr lang="en-IN" sz="2000" b="0" dirty="0" smtClean="0"/>
+                        <a:rPr lang="en-IN" sz="2000" b="0" dirty="0"/>
                         <a:t>Backend</a:t>
                       </a:r>
-                      <a:endParaRPr lang="en-IN" sz="2000" b="0" dirty="0"/>
                     </a:p>
                   </a:txBody>
                   <a:tcPr/>
@@ -9294,14 +9142,18 @@
                     <a:lstStyle/>
                     <a:p>
                       <a:r>
-                        <a:rPr lang="en-IN" sz="2000" b="0" dirty="0" smtClean="0"/>
+                        <a:rPr lang="en-IN" sz="2000" b="0" dirty="0"/>
                         <a:t>Frontend</a:t>
                       </a:r>
-                      <a:endParaRPr lang="en-IN" sz="2000" b="0" dirty="0"/>
                     </a:p>
                   </a:txBody>
                   <a:tcPr/>
                 </a:tc>
+                <a:extLst>
+                  <a:ext uri="{0D108BD9-81ED-4DB2-BD59-A6C34878D82A}">
+                    <a16:rowId xmlns:a16="http://schemas.microsoft.com/office/drawing/2014/main" val="10002"/>
+                  </a:ext>
+                </a:extLst>
               </a:tr>
               <a:tr h="752856">
                 <a:tc>
@@ -9310,11 +9162,11 @@
                     <a:lstStyle/>
                     <a:p>
                       <a:r>
-                        <a:rPr lang="en-IN" sz="2000" b="0" dirty="0" smtClean="0"/>
+                        <a:rPr lang="en-IN" sz="2000" b="0" dirty="0"/>
                         <a:t>Rahul </a:t>
                       </a:r>
                       <a:r>
-                        <a:rPr lang="en-IN" sz="2000" b="0" dirty="0" err="1" smtClean="0"/>
+                        <a:rPr lang="en-IN" sz="2000" b="0" dirty="0" err="1"/>
                         <a:t>Velayutham</a:t>
                       </a:r>
                       <a:endParaRPr lang="en-IN" sz="2000" b="0" dirty="0"/>
@@ -9328,10 +9180,9 @@
                     <a:lstStyle/>
                     <a:p>
                       <a:r>
-                        <a:rPr lang="en-IN" sz="2000" b="0" dirty="0" smtClean="0"/>
+                        <a:rPr lang="en-IN" sz="2000" b="0" dirty="0"/>
                         <a:t>Frontend</a:t>
                       </a:r>
-                      <a:endParaRPr lang="en-IN" sz="2000" b="0" dirty="0"/>
                     </a:p>
                   </a:txBody>
                   <a:tcPr/>
@@ -9342,14 +9193,18 @@
                     <a:lstStyle/>
                     <a:p>
                       <a:r>
-                        <a:rPr lang="en-IN" sz="2000" b="0" dirty="0" smtClean="0"/>
+                        <a:rPr lang="en-IN" sz="2000" b="0" dirty="0"/>
                         <a:t>Backend</a:t>
                       </a:r>
-                      <a:endParaRPr lang="en-IN" sz="2000" b="0" dirty="0"/>
                     </a:p>
                   </a:txBody>
                   <a:tcPr/>
                 </a:tc>
+                <a:extLst>
+                  <a:ext uri="{0D108BD9-81ED-4DB2-BD59-A6C34878D82A}">
+                    <a16:rowId xmlns:a16="http://schemas.microsoft.com/office/drawing/2014/main" val="10003"/>
+                  </a:ext>
+                </a:extLst>
               </a:tr>
               <a:tr h="752856">
                 <a:tc>
@@ -9358,11 +9213,11 @@
                     <a:lstStyle/>
                     <a:p>
                       <a:r>
-                        <a:rPr lang="en-IN" sz="2000" b="0" dirty="0" smtClean="0"/>
+                        <a:rPr lang="en-IN" sz="2000" b="0" dirty="0"/>
                         <a:t>Varun</a:t>
                       </a:r>
                       <a:r>
-                        <a:rPr lang="en-IN" sz="2000" b="0" baseline="0" dirty="0" smtClean="0"/>
+                        <a:rPr lang="en-IN" sz="2000" b="0" baseline="0" dirty="0"/>
                         <a:t> Machingal</a:t>
                       </a:r>
                       <a:endParaRPr lang="en-IN" sz="2000" b="0" dirty="0"/>
@@ -9376,10 +9231,9 @@
                     <a:lstStyle/>
                     <a:p>
                       <a:r>
-                        <a:rPr lang="en-IN" sz="2000" b="0" dirty="0" smtClean="0"/>
+                        <a:rPr lang="en-IN" sz="2000" b="0" dirty="0"/>
                         <a:t>Frontend</a:t>
                       </a:r>
-                      <a:endParaRPr lang="en-IN" sz="2000" b="0" dirty="0"/>
                     </a:p>
                   </a:txBody>
                   <a:tcPr/>
@@ -9390,14 +9244,18 @@
                     <a:lstStyle/>
                     <a:p>
                       <a:r>
-                        <a:rPr lang="en-IN" sz="2000" b="0" dirty="0" smtClean="0"/>
+                        <a:rPr lang="en-IN" sz="2000" b="0" dirty="0"/>
                         <a:t>Backend</a:t>
                       </a:r>
-                      <a:endParaRPr lang="en-IN" sz="2000" b="0" dirty="0"/>
                     </a:p>
                   </a:txBody>
                   <a:tcPr/>
                 </a:tc>
+                <a:extLst>
+                  <a:ext uri="{0D108BD9-81ED-4DB2-BD59-A6C34878D82A}">
+                    <a16:rowId xmlns:a16="http://schemas.microsoft.com/office/drawing/2014/main" val="10004"/>
+                  </a:ext>
+                </a:extLst>
               </a:tr>
             </a:tbl>
           </a:graphicData>
@@ -9413,13 +9271,6 @@
   <p:clrMapOvr>
     <a:masterClrMapping/>
   </p:clrMapOvr>
-  <p:timing>
-    <p:tnLst>
-      <p:par>
-        <p:cTn id="1" dur="indefinite" restart="never" nodeType="tmRoot"/>
-      </p:par>
-    </p:tnLst>
-  </p:timing>
 </p:sld>
 </file>
 
@@ -9458,10 +9309,9 @@
           <a:lstStyle/>
           <a:p>
             <a:r>
-              <a:rPr lang="en-IN" sz="4800" b="1" dirty="0" smtClean="0"/>
+              <a:rPr lang="en-IN" sz="4800" b="1" dirty="0"/>
               <a:t>FUTURE OUTLOOK</a:t>
             </a:r>
-            <a:endParaRPr lang="en-IN" sz="4800" b="1" dirty="0"/>
           </a:p>
         </p:txBody>
       </p:sp>
@@ -9483,13 +9333,13 @@
           <a:lstStyle/>
           <a:p>
             <a:r>
-              <a:rPr lang="en-IN" sz="2400" dirty="0" smtClean="0"/>
+              <a:rPr lang="en-IN" sz="2400" dirty="0"/>
               <a:t>Using collected data to predict future sensor locations and dark sky designations.</a:t>
             </a:r>
           </a:p>
           <a:p>
             <a:r>
-              <a:rPr lang="en-IN" sz="2400" dirty="0" smtClean="0"/>
+              <a:rPr lang="en-IN" sz="2400" dirty="0"/>
               <a:t>Migrating from web application to mobile application.</a:t>
             </a:r>
           </a:p>
@@ -9508,13 +9358,6 @@
   <p:clrMapOvr>
     <a:masterClrMapping/>
   </p:clrMapOvr>
-  <p:timing>
-    <p:tnLst>
-      <p:par>
-        <p:cTn id="1" dur="indefinite" restart="never" nodeType="tmRoot"/>
-      </p:par>
-    </p:tnLst>
-  </p:timing>
 </p:sld>
 </file>
 
